--- a/doc/tinyros.pptx
+++ b/doc/tinyros.pptx
@@ -288,7 +288,7 @@
           <a:p>
             <a:fld id="{530820CF-B880-4189-942D-D702A7CBA730}" type="datetimeFigureOut">
               <a:rPr lang="zh-CN" altLang="en-US" smtClean="0"/>
-              <a:t>2020/6/16</a:t>
+              <a:t>2020/7/8</a:t>
             </a:fld>
             <a:endParaRPr lang="zh-CN" altLang="en-US"/>
           </a:p>
@@ -453,7 +453,7 @@
           <a:p>
             <a:fld id="{530820CF-B880-4189-942D-D702A7CBA730}" type="datetimeFigureOut">
               <a:rPr lang="zh-CN" altLang="en-US" smtClean="0"/>
-              <a:t>2020/6/16</a:t>
+              <a:t>2020/7/8</a:t>
             </a:fld>
             <a:endParaRPr lang="zh-CN" altLang="en-US"/>
           </a:p>
@@ -628,7 +628,7 @@
           <a:p>
             <a:fld id="{530820CF-B880-4189-942D-D702A7CBA730}" type="datetimeFigureOut">
               <a:rPr lang="zh-CN" altLang="en-US" smtClean="0"/>
-              <a:t>2020/6/16</a:t>
+              <a:t>2020/7/8</a:t>
             </a:fld>
             <a:endParaRPr lang="zh-CN" altLang="en-US"/>
           </a:p>
@@ -793,7 +793,7 @@
           <a:p>
             <a:fld id="{530820CF-B880-4189-942D-D702A7CBA730}" type="datetimeFigureOut">
               <a:rPr lang="zh-CN" altLang="en-US" smtClean="0"/>
-              <a:t>2020/6/16</a:t>
+              <a:t>2020/7/8</a:t>
             </a:fld>
             <a:endParaRPr lang="zh-CN" altLang="en-US"/>
           </a:p>
@@ -1034,7 +1034,7 @@
           <a:p>
             <a:fld id="{530820CF-B880-4189-942D-D702A7CBA730}" type="datetimeFigureOut">
               <a:rPr lang="zh-CN" altLang="en-US" smtClean="0"/>
-              <a:t>2020/6/16</a:t>
+              <a:t>2020/7/8</a:t>
             </a:fld>
             <a:endParaRPr lang="zh-CN" altLang="en-US"/>
           </a:p>
@@ -1317,7 +1317,7 @@
           <a:p>
             <a:fld id="{530820CF-B880-4189-942D-D702A7CBA730}" type="datetimeFigureOut">
               <a:rPr lang="zh-CN" altLang="en-US" smtClean="0"/>
-              <a:t>2020/6/16</a:t>
+              <a:t>2020/7/8</a:t>
             </a:fld>
             <a:endParaRPr lang="zh-CN" altLang="en-US"/>
           </a:p>
@@ -1734,7 +1734,7 @@
           <a:p>
             <a:fld id="{530820CF-B880-4189-942D-D702A7CBA730}" type="datetimeFigureOut">
               <a:rPr lang="zh-CN" altLang="en-US" smtClean="0"/>
-              <a:t>2020/6/16</a:t>
+              <a:t>2020/7/8</a:t>
             </a:fld>
             <a:endParaRPr lang="zh-CN" altLang="en-US"/>
           </a:p>
@@ -1847,7 +1847,7 @@
           <a:p>
             <a:fld id="{530820CF-B880-4189-942D-D702A7CBA730}" type="datetimeFigureOut">
               <a:rPr lang="zh-CN" altLang="en-US" smtClean="0"/>
-              <a:t>2020/6/16</a:t>
+              <a:t>2020/7/8</a:t>
             </a:fld>
             <a:endParaRPr lang="zh-CN" altLang="en-US"/>
           </a:p>
@@ -1937,7 +1937,7 @@
           <a:p>
             <a:fld id="{530820CF-B880-4189-942D-D702A7CBA730}" type="datetimeFigureOut">
               <a:rPr lang="zh-CN" altLang="en-US" smtClean="0"/>
-              <a:t>2020/6/16</a:t>
+              <a:t>2020/7/8</a:t>
             </a:fld>
             <a:endParaRPr lang="zh-CN" altLang="en-US"/>
           </a:p>
@@ -2209,7 +2209,7 @@
           <a:p>
             <a:fld id="{530820CF-B880-4189-942D-D702A7CBA730}" type="datetimeFigureOut">
               <a:rPr lang="zh-CN" altLang="en-US" smtClean="0"/>
-              <a:t>2020/6/16</a:t>
+              <a:t>2020/7/8</a:t>
             </a:fld>
             <a:endParaRPr lang="zh-CN" altLang="en-US"/>
           </a:p>
@@ -2457,7 +2457,7 @@
           <a:p>
             <a:fld id="{530820CF-B880-4189-942D-D702A7CBA730}" type="datetimeFigureOut">
               <a:rPr lang="zh-CN" altLang="en-US" smtClean="0"/>
-              <a:t>2020/6/16</a:t>
+              <a:t>2020/7/8</a:t>
             </a:fld>
             <a:endParaRPr lang="zh-CN" altLang="en-US"/>
           </a:p>
@@ -2665,7 +2665,7 @@
           <a:p>
             <a:fld id="{530820CF-B880-4189-942D-D702A7CBA730}" type="datetimeFigureOut">
               <a:rPr lang="zh-CN" altLang="en-US" smtClean="0"/>
-              <a:t>2020/6/16</a:t>
+              <a:t>2020/7/8</a:t>
             </a:fld>
             <a:endParaRPr lang="zh-CN" altLang="en-US"/>
           </a:p>
@@ -3461,7 +3461,7 @@
         </p:nvSpPr>
         <p:spPr>
           <a:xfrm>
-            <a:off x="4956040" y="3458736"/>
+            <a:off x="4956040" y="3574168"/>
             <a:ext cx="3528392" cy="430896"/>
           </a:xfrm>
           <a:prstGeom prst="rect">
@@ -3504,7 +3504,7 @@
         <p:spPr>
           <a:xfrm>
             <a:off x="4956040" y="2892526"/>
-            <a:ext cx="3528392" cy="432048"/>
+            <a:ext cx="3528392" cy="566210"/>
           </a:xfrm>
           <a:prstGeom prst="rect">
             <a:avLst/>
@@ -3532,6 +3532,45 @@
             <a:r>
               <a:rPr lang="en-US" altLang="zh-CN" sz="1600" smtClean="0"/>
               <a:t>Client Library</a:t>
+            </a:r>
+          </a:p>
+          <a:p>
+            <a:pPr algn="ctr"/>
+            <a:r>
+              <a:rPr lang="zh-CN" altLang="en-US" sz="1600" smtClean="0"/>
+              <a:t>（</a:t>
+            </a:r>
+            <a:r>
+              <a:rPr lang="en-US" altLang="zh-CN" sz="1600" smtClean="0"/>
+              <a:t>C/C++</a:t>
+            </a:r>
+            <a:r>
+              <a:rPr lang="zh-CN" altLang="en-US" sz="1600" smtClean="0"/>
+              <a:t>、</a:t>
+            </a:r>
+            <a:r>
+              <a:rPr lang="en-US" altLang="zh-CN" sz="1600" smtClean="0"/>
+              <a:t>Java</a:t>
+            </a:r>
+            <a:r>
+              <a:rPr lang="zh-CN" altLang="en-US" sz="1600" smtClean="0"/>
+              <a:t>、</a:t>
+            </a:r>
+            <a:r>
+              <a:rPr lang="en-US" altLang="zh-CN" sz="1600" smtClean="0"/>
+              <a:t>Python</a:t>
+            </a:r>
+            <a:r>
+              <a:rPr lang="zh-CN" altLang="en-US" sz="1600" smtClean="0"/>
+              <a:t>、</a:t>
+            </a:r>
+            <a:r>
+              <a:rPr lang="en-US" altLang="zh-CN" sz="1600" smtClean="0"/>
+              <a:t>Go</a:t>
+            </a:r>
+            <a:r>
+              <a:rPr lang="zh-CN" altLang="en-US" sz="1600"/>
+              <a:t>）</a:t>
             </a:r>
             <a:endParaRPr lang="zh-CN" altLang="en-US" sz="1600"/>
           </a:p>

--- a/doc/tinyros.pptx
+++ b/doc/tinyros.pptx
@@ -288,7 +288,7 @@
           <a:p>
             <a:fld id="{530820CF-B880-4189-942D-D702A7CBA730}" type="datetimeFigureOut">
               <a:rPr lang="zh-CN" altLang="en-US" smtClean="0"/>
-              <a:t>2020/7/8</a:t>
+              <a:t>2020/8/10</a:t>
             </a:fld>
             <a:endParaRPr lang="zh-CN" altLang="en-US"/>
           </a:p>
@@ -453,7 +453,7 @@
           <a:p>
             <a:fld id="{530820CF-B880-4189-942D-D702A7CBA730}" type="datetimeFigureOut">
               <a:rPr lang="zh-CN" altLang="en-US" smtClean="0"/>
-              <a:t>2020/7/8</a:t>
+              <a:t>2020/8/10</a:t>
             </a:fld>
             <a:endParaRPr lang="zh-CN" altLang="en-US"/>
           </a:p>
@@ -628,7 +628,7 @@
           <a:p>
             <a:fld id="{530820CF-B880-4189-942D-D702A7CBA730}" type="datetimeFigureOut">
               <a:rPr lang="zh-CN" altLang="en-US" smtClean="0"/>
-              <a:t>2020/7/8</a:t>
+              <a:t>2020/8/10</a:t>
             </a:fld>
             <a:endParaRPr lang="zh-CN" altLang="en-US"/>
           </a:p>
@@ -793,7 +793,7 @@
           <a:p>
             <a:fld id="{530820CF-B880-4189-942D-D702A7CBA730}" type="datetimeFigureOut">
               <a:rPr lang="zh-CN" altLang="en-US" smtClean="0"/>
-              <a:t>2020/7/8</a:t>
+              <a:t>2020/8/10</a:t>
             </a:fld>
             <a:endParaRPr lang="zh-CN" altLang="en-US"/>
           </a:p>
@@ -1034,7 +1034,7 @@
           <a:p>
             <a:fld id="{530820CF-B880-4189-942D-D702A7CBA730}" type="datetimeFigureOut">
               <a:rPr lang="zh-CN" altLang="en-US" smtClean="0"/>
-              <a:t>2020/7/8</a:t>
+              <a:t>2020/8/10</a:t>
             </a:fld>
             <a:endParaRPr lang="zh-CN" altLang="en-US"/>
           </a:p>
@@ -1317,7 +1317,7 @@
           <a:p>
             <a:fld id="{530820CF-B880-4189-942D-D702A7CBA730}" type="datetimeFigureOut">
               <a:rPr lang="zh-CN" altLang="en-US" smtClean="0"/>
-              <a:t>2020/7/8</a:t>
+              <a:t>2020/8/10</a:t>
             </a:fld>
             <a:endParaRPr lang="zh-CN" altLang="en-US"/>
           </a:p>
@@ -1734,7 +1734,7 @@
           <a:p>
             <a:fld id="{530820CF-B880-4189-942D-D702A7CBA730}" type="datetimeFigureOut">
               <a:rPr lang="zh-CN" altLang="en-US" smtClean="0"/>
-              <a:t>2020/7/8</a:t>
+              <a:t>2020/8/10</a:t>
             </a:fld>
             <a:endParaRPr lang="zh-CN" altLang="en-US"/>
           </a:p>
@@ -1847,7 +1847,7 @@
           <a:p>
             <a:fld id="{530820CF-B880-4189-942D-D702A7CBA730}" type="datetimeFigureOut">
               <a:rPr lang="zh-CN" altLang="en-US" smtClean="0"/>
-              <a:t>2020/7/8</a:t>
+              <a:t>2020/8/10</a:t>
             </a:fld>
             <a:endParaRPr lang="zh-CN" altLang="en-US"/>
           </a:p>
@@ -1937,7 +1937,7 @@
           <a:p>
             <a:fld id="{530820CF-B880-4189-942D-D702A7CBA730}" type="datetimeFigureOut">
               <a:rPr lang="zh-CN" altLang="en-US" smtClean="0"/>
-              <a:t>2020/7/8</a:t>
+              <a:t>2020/8/10</a:t>
             </a:fld>
             <a:endParaRPr lang="zh-CN" altLang="en-US"/>
           </a:p>
@@ -2209,7 +2209,7 @@
           <a:p>
             <a:fld id="{530820CF-B880-4189-942D-D702A7CBA730}" type="datetimeFigureOut">
               <a:rPr lang="zh-CN" altLang="en-US" smtClean="0"/>
-              <a:t>2020/7/8</a:t>
+              <a:t>2020/8/10</a:t>
             </a:fld>
             <a:endParaRPr lang="zh-CN" altLang="en-US"/>
           </a:p>
@@ -2457,7 +2457,7 @@
           <a:p>
             <a:fld id="{530820CF-B880-4189-942D-D702A7CBA730}" type="datetimeFigureOut">
               <a:rPr lang="zh-CN" altLang="en-US" smtClean="0"/>
-              <a:t>2020/7/8</a:t>
+              <a:t>2020/8/10</a:t>
             </a:fld>
             <a:endParaRPr lang="zh-CN" altLang="en-US"/>
           </a:p>
@@ -2665,7 +2665,7 @@
           <a:p>
             <a:fld id="{530820CF-B880-4189-942D-D702A7CBA730}" type="datetimeFigureOut">
               <a:rPr lang="zh-CN" altLang="en-US" smtClean="0"/>
-              <a:t>2020/7/8</a:t>
+              <a:t>2020/8/10</a:t>
             </a:fld>
             <a:endParaRPr lang="zh-CN" altLang="en-US"/>
           </a:p>
@@ -3043,7 +3043,7 @@
         </p:nvSpPr>
         <p:spPr>
           <a:xfrm>
-            <a:off x="458400" y="2192304"/>
+            <a:off x="266376" y="2192304"/>
             <a:ext cx="3240360" cy="1656184"/>
           </a:xfrm>
           <a:prstGeom prst="rect">
@@ -3070,10 +3070,10 @@
           <a:p>
             <a:pPr algn="ctr"/>
             <a:r>
-              <a:rPr lang="en-US" altLang="zh-CN" smtClean="0"/>
+              <a:rPr lang="en-US" altLang="zh-CN" sz="1600" smtClean="0"/>
               <a:t>DDS(Data Distribution Service)</a:t>
             </a:r>
-            <a:endParaRPr lang="zh-CN" altLang="en-US"/>
+            <a:endParaRPr lang="zh-CN" altLang="en-US" sz="1600"/>
           </a:p>
         </p:txBody>
       </p:sp>
@@ -3085,7 +3085,7 @@
         </p:nvSpPr>
         <p:spPr>
           <a:xfrm>
-            <a:off x="1070468" y="2606962"/>
+            <a:off x="878444" y="2606962"/>
             <a:ext cx="2016224" cy="540060"/>
           </a:xfrm>
           <a:prstGeom prst="ellipse">
@@ -3127,7 +3127,7 @@
         </p:nvSpPr>
         <p:spPr>
           <a:xfrm>
-            <a:off x="566412" y="3272424"/>
+            <a:off x="374388" y="3272424"/>
             <a:ext cx="3024336" cy="432048"/>
           </a:xfrm>
           <a:prstGeom prst="rect">
@@ -3169,8 +3169,8 @@
         </p:nvSpPr>
         <p:spPr>
           <a:xfrm>
-            <a:off x="3773010" y="2758367"/>
-            <a:ext cx="957180" cy="538502"/>
+            <a:off x="3554699" y="2606963"/>
+            <a:ext cx="1168174" cy="820754"/>
           </a:xfrm>
           <a:prstGeom prst="cloud">
             <a:avLst/>
@@ -3200,7 +3200,7 @@
           <a:lstStyle/>
           <a:p>
             <a:pPr algn="ctr"/>
-            <a:endParaRPr lang="zh-CN" altLang="en-US" sz="1200">
+            <a:endParaRPr lang="zh-CN" altLang="en-US" sz="1400">
               <a:solidFill>
                 <a:schemeClr val="dk1"/>
               </a:solidFill>
@@ -3217,8 +3217,8 @@
         </p:nvSpPr>
         <p:spPr>
           <a:xfrm>
-            <a:off x="3834247" y="2807772"/>
-            <a:ext cx="761555" cy="461665"/>
+            <a:off x="3553555" y="2616274"/>
+            <a:ext cx="1183029" cy="738664"/>
           </a:xfrm>
           <a:prstGeom prst="rect">
             <a:avLst/>
@@ -3226,25 +3226,36 @@
           <a:noFill/>
         </p:spPr>
         <p:txBody>
-          <a:bodyPr wrap="none" rtlCol="0">
+          <a:bodyPr wrap="square" rtlCol="0">
             <a:spAutoFit/>
           </a:bodyPr>
           <a:lstStyle/>
           <a:p>
             <a:pPr algn="ctr"/>
             <a:r>
-              <a:rPr lang="zh-CN" altLang="en-US" sz="1200" smtClean="0"/>
+              <a:rPr lang="zh-CN" altLang="en-US" sz="1400" smtClean="0"/>
               <a:t>网络</a:t>
             </a:r>
-            <a:endParaRPr lang="en-US" altLang="zh-CN" sz="1200" smtClean="0"/>
+            <a:endParaRPr lang="en-US" altLang="zh-CN" sz="1400" smtClean="0"/>
           </a:p>
           <a:p>
             <a:pPr algn="ctr"/>
             <a:r>
-              <a:rPr lang="en-US" altLang="zh-CN" sz="1200" smtClean="0"/>
+              <a:rPr lang="en-US" altLang="zh-CN" sz="1400" smtClean="0"/>
               <a:t>TCP/UDP</a:t>
             </a:r>
-            <a:endParaRPr lang="zh-CN" altLang="en-US" sz="1200"/>
+            <a:r>
+              <a:rPr lang="en-US" altLang="zh-CN" sz="1400" smtClean="0"/>
+              <a:t>/</a:t>
+            </a:r>
+          </a:p>
+          <a:p>
+            <a:pPr algn="ctr"/>
+            <a:r>
+              <a:rPr lang="en-US" altLang="zh-CN" sz="1400" smtClean="0"/>
+              <a:t>Websocket</a:t>
+            </a:r>
+            <a:endParaRPr lang="zh-CN" altLang="en-US" sz="1400"/>
           </a:p>
         </p:txBody>
       </p:sp>
@@ -3256,8 +3267,8 @@
         </p:nvSpPr>
         <p:spPr>
           <a:xfrm>
-            <a:off x="4822312" y="1945416"/>
-            <a:ext cx="3816424" cy="2160240"/>
+            <a:off x="4758304" y="1945416"/>
+            <a:ext cx="4070168" cy="2160240"/>
           </a:xfrm>
           <a:prstGeom prst="rect">
             <a:avLst/>
@@ -3288,14 +3299,14 @@
           <a:p>
             <a:pPr algn="ctr"/>
             <a:r>
-              <a:rPr lang="en-US" altLang="zh-CN" smtClean="0">
+              <a:rPr lang="en-US" altLang="zh-CN" sz="1600" smtClean="0">
                 <a:solidFill>
                   <a:schemeClr val="dk1"/>
                 </a:solidFill>
               </a:rPr>
               <a:t>Application</a:t>
             </a:r>
-            <a:endParaRPr lang="zh-CN" altLang="en-US">
+            <a:endParaRPr lang="zh-CN" altLang="en-US" sz="1600">
               <a:solidFill>
                 <a:schemeClr val="dk1"/>
               </a:solidFill>
@@ -3311,7 +3322,7 @@
         </p:nvSpPr>
         <p:spPr>
           <a:xfrm>
-            <a:off x="5165584" y="2350032"/>
+            <a:off x="5183872" y="2350032"/>
             <a:ext cx="936104" cy="471452"/>
           </a:xfrm>
           <a:prstGeom prst="ellipse">
@@ -3361,7 +3372,7 @@
         </p:nvSpPr>
         <p:spPr>
           <a:xfrm>
-            <a:off x="6254088" y="2350032"/>
+            <a:off x="6272376" y="2350032"/>
             <a:ext cx="936104" cy="471452"/>
           </a:xfrm>
           <a:prstGeom prst="ellipse">
@@ -3411,7 +3422,7 @@
         </p:nvSpPr>
         <p:spPr>
           <a:xfrm>
-            <a:off x="7342592" y="2350032"/>
+            <a:off x="7360880" y="2350032"/>
             <a:ext cx="936104" cy="471452"/>
           </a:xfrm>
           <a:prstGeom prst="ellipse">
@@ -3461,8 +3472,8 @@
         </p:nvSpPr>
         <p:spPr>
           <a:xfrm>
-            <a:off x="4956040" y="3574168"/>
-            <a:ext cx="3528392" cy="430896"/>
+            <a:off x="4892032" y="3574168"/>
+            <a:ext cx="3792424" cy="430896"/>
           </a:xfrm>
           <a:prstGeom prst="rect">
             <a:avLst/>
@@ -3503,8 +3514,8 @@
         </p:nvSpPr>
         <p:spPr>
           <a:xfrm>
-            <a:off x="4956040" y="2892526"/>
-            <a:ext cx="3528392" cy="566210"/>
+            <a:off x="4892032" y="2892526"/>
+            <a:ext cx="3792424" cy="566210"/>
           </a:xfrm>
           <a:prstGeom prst="rect">
             <a:avLst/>
@@ -3542,7 +3553,11 @@
             </a:r>
             <a:r>
               <a:rPr lang="en-US" altLang="zh-CN" sz="1600" smtClean="0"/>
-              <a:t>C/C++</a:t>
+              <a:t>C/C</a:t>
+            </a:r>
+            <a:r>
+              <a:rPr lang="en-US" altLang="zh-CN" sz="1600" smtClean="0"/>
+              <a:t>++</a:t>
             </a:r>
             <a:r>
               <a:rPr lang="zh-CN" altLang="en-US" sz="1600" smtClean="0"/>
@@ -3569,7 +3584,15 @@
               <a:t>Go</a:t>
             </a:r>
             <a:r>
-              <a:rPr lang="zh-CN" altLang="en-US" sz="1600"/>
+              <a:rPr lang="zh-CN" altLang="en-US" sz="1600" smtClean="0"/>
+              <a:t>、</a:t>
+            </a:r>
+            <a:r>
+              <a:rPr lang="en-US" altLang="zh-CN" sz="1600" smtClean="0"/>
+              <a:t>JavaScript</a:t>
+            </a:r>
+            <a:r>
+              <a:rPr lang="zh-CN" altLang="en-US" sz="1600" smtClean="0"/>
               <a:t>）</a:t>
             </a:r>
             <a:endParaRPr lang="zh-CN" altLang="en-US" sz="1600"/>
